--- a/Week11/Mini_project.pptx
+++ b/Week11/Mini_project.pptx
@@ -9395,8 +9395,8 @@
             <a:chExt cx="1312200" cy="1498680"/>
           </a:xfrm>
         </p:grpSpPr>
-        <mc:AlternateContent xmlns:mc="http://schemas.openxmlformats.org/markup-compatibility/2006">
-          <mc:Choice xmlns:p14="http://schemas.microsoft.com/office/powerpoint/2010/main" Requires="p14">
+        <mc:AlternateContent xmlns:mc="http://schemas.openxmlformats.org/markup-compatibility/2006" xmlns:p14="http://schemas.microsoft.com/office/powerpoint/2010/main">
+          <mc:Choice Requires="p14">
             <p:contentPart p14:bwMode="auto" r:id="rId2">
               <p14:nvContentPartPr>
                 <p14:cNvPr id="2" name="Ink 1">
@@ -9415,7 +9415,7 @@
               </p14:xfrm>
             </p:contentPart>
           </mc:Choice>
-          <mc:Fallback>
+          <mc:Fallback xmlns="">
             <p:pic>
               <p:nvPicPr>
                 <p:cNvPr id="2" name="Ink 1">
@@ -9446,8 +9446,8 @@
             </p:pic>
           </mc:Fallback>
         </mc:AlternateContent>
-        <mc:AlternateContent xmlns:mc="http://schemas.openxmlformats.org/markup-compatibility/2006">
-          <mc:Choice xmlns:p14="http://schemas.microsoft.com/office/powerpoint/2010/main" Requires="p14">
+        <mc:AlternateContent xmlns:mc="http://schemas.openxmlformats.org/markup-compatibility/2006" xmlns:p14="http://schemas.microsoft.com/office/powerpoint/2010/main">
+          <mc:Choice Requires="p14">
             <p:contentPart p14:bwMode="auto" r:id="rId4">
               <p14:nvContentPartPr>
                 <p14:cNvPr id="6" name="Ink 5">
@@ -9466,7 +9466,7 @@
               </p14:xfrm>
             </p:contentPart>
           </mc:Choice>
-          <mc:Fallback>
+          <mc:Fallback xmlns="">
             <p:pic>
               <p:nvPicPr>
                 <p:cNvPr id="6" name="Ink 5">
@@ -9518,8 +9518,8 @@
             <a:chExt cx="257760" cy="282600"/>
           </a:xfrm>
         </p:grpSpPr>
-        <mc:AlternateContent xmlns:mc="http://schemas.openxmlformats.org/markup-compatibility/2006">
-          <mc:Choice xmlns:p14="http://schemas.microsoft.com/office/powerpoint/2010/main" Requires="p14">
+        <mc:AlternateContent xmlns:mc="http://schemas.openxmlformats.org/markup-compatibility/2006" xmlns:p14="http://schemas.microsoft.com/office/powerpoint/2010/main">
+          <mc:Choice Requires="p14">
             <p:contentPart p14:bwMode="auto" r:id="rId6">
               <p14:nvContentPartPr>
                 <p14:cNvPr id="8" name="Ink 7">
@@ -9538,7 +9538,7 @@
               </p14:xfrm>
             </p:contentPart>
           </mc:Choice>
-          <mc:Fallback>
+          <mc:Fallback xmlns="">
             <p:pic>
               <p:nvPicPr>
                 <p:cNvPr id="8" name="Ink 7">
@@ -9569,8 +9569,8 @@
             </p:pic>
           </mc:Fallback>
         </mc:AlternateContent>
-        <mc:AlternateContent xmlns:mc="http://schemas.openxmlformats.org/markup-compatibility/2006">
-          <mc:Choice xmlns:p14="http://schemas.microsoft.com/office/powerpoint/2010/main" Requires="p14">
+        <mc:AlternateContent xmlns:mc="http://schemas.openxmlformats.org/markup-compatibility/2006" xmlns:p14="http://schemas.microsoft.com/office/powerpoint/2010/main">
+          <mc:Choice Requires="p14">
             <p:contentPart p14:bwMode="auto" r:id="rId8">
               <p14:nvContentPartPr>
                 <p14:cNvPr id="9" name="Ink 8">
@@ -9589,7 +9589,7 @@
               </p14:xfrm>
             </p:contentPart>
           </mc:Choice>
-          <mc:Fallback>
+          <mc:Fallback xmlns="">
             <p:pic>
               <p:nvPicPr>
                 <p:cNvPr id="9" name="Ink 8">
@@ -9621,8 +9621,8 @@
           </mc:Fallback>
         </mc:AlternateContent>
       </p:grpSp>
-      <mc:AlternateContent xmlns:mc="http://schemas.openxmlformats.org/markup-compatibility/2006">
-        <mc:Choice xmlns:p14="http://schemas.microsoft.com/office/powerpoint/2010/main" Requires="p14">
+      <mc:AlternateContent xmlns:mc="http://schemas.openxmlformats.org/markup-compatibility/2006" xmlns:p14="http://schemas.microsoft.com/office/powerpoint/2010/main">
+        <mc:Choice Requires="p14">
           <p:contentPart p14:bwMode="auto" r:id="rId10">
             <p14:nvContentPartPr>
               <p14:cNvPr id="11" name="Ink 10">
@@ -9641,7 +9641,7 @@
             </p14:xfrm>
           </p:contentPart>
         </mc:Choice>
-        <mc:Fallback>
+        <mc:Fallback xmlns="">
           <p:pic>
             <p:nvPicPr>
               <p:cNvPr id="11" name="Ink 10">
@@ -9672,8 +9672,8 @@
           </p:pic>
         </mc:Fallback>
       </mc:AlternateContent>
-      <mc:AlternateContent xmlns:mc="http://schemas.openxmlformats.org/markup-compatibility/2006">
-        <mc:Choice xmlns:p14="http://schemas.microsoft.com/office/powerpoint/2010/main" Requires="p14">
+      <mc:AlternateContent xmlns:mc="http://schemas.openxmlformats.org/markup-compatibility/2006" xmlns:p14="http://schemas.microsoft.com/office/powerpoint/2010/main">
+        <mc:Choice Requires="p14">
           <p:contentPart p14:bwMode="auto" r:id="rId12">
             <p14:nvContentPartPr>
               <p14:cNvPr id="12" name="Ink 11">
@@ -9692,7 +9692,7 @@
             </p14:xfrm>
           </p:contentPart>
         </mc:Choice>
-        <mc:Fallback>
+        <mc:Fallback xmlns="">
           <p:pic>
             <p:nvPicPr>
               <p:cNvPr id="12" name="Ink 11">
@@ -9723,8 +9723,8 @@
           </p:pic>
         </mc:Fallback>
       </mc:AlternateContent>
-      <mc:AlternateContent xmlns:mc="http://schemas.openxmlformats.org/markup-compatibility/2006">
-        <mc:Choice xmlns:p14="http://schemas.microsoft.com/office/powerpoint/2010/main" Requires="p14">
+      <mc:AlternateContent xmlns:mc="http://schemas.openxmlformats.org/markup-compatibility/2006" xmlns:p14="http://schemas.microsoft.com/office/powerpoint/2010/main">
+        <mc:Choice Requires="p14">
           <p:contentPart p14:bwMode="auto" r:id="rId14">
             <p14:nvContentPartPr>
               <p14:cNvPr id="13" name="Ink 12">
@@ -9743,7 +9743,7 @@
             </p14:xfrm>
           </p:contentPart>
         </mc:Choice>
-        <mc:Fallback>
+        <mc:Fallback xmlns="">
           <p:pic>
             <p:nvPicPr>
               <p:cNvPr id="13" name="Ink 12">
@@ -9774,6 +9774,44 @@
           </p:pic>
         </mc:Fallback>
       </mc:AlternateContent>
+      <p:sp>
+        <p:nvSpPr>
+          <p:cNvPr id="15" name="TextBox 14">
+            <a:extLst>
+              <a:ext uri="{FF2B5EF4-FFF2-40B4-BE49-F238E27FC236}">
+                <a16:creationId xmlns:a16="http://schemas.microsoft.com/office/drawing/2014/main" id="{2F658720-FF5B-90C8-081E-9309571D3B9B}"/>
+              </a:ext>
+            </a:extLst>
+          </p:cNvPr>
+          <p:cNvSpPr txBox="1"/>
+          <p:nvPr/>
+        </p:nvSpPr>
+        <p:spPr>
+          <a:xfrm>
+            <a:off x="7612290" y="6367514"/>
+            <a:ext cx="6096000" cy="369332"/>
+          </a:xfrm>
+          <a:prstGeom prst="rect">
+            <a:avLst/>
+          </a:prstGeom>
+          <a:noFill/>
+        </p:spPr>
+        <p:txBody>
+          <a:bodyPr wrap="square">
+            <a:spAutoFit/>
+          </a:bodyPr>
+          <a:lstStyle/>
+          <a:p>
+            <a:r>
+              <a:rPr lang="en-TH" dirty="0">
+                <a:hlinkClick r:id="rId16"/>
+              </a:rPr>
+              <a:t>https://forms.gle/sqzWM7vB7FzZ6AiF7</a:t>
+            </a:r>
+            <a:endParaRPr lang="en-TH" dirty="0"/>
+          </a:p>
+        </p:txBody>
+      </p:sp>
     </p:spTree>
     <p:extLst>
       <p:ext uri="{BB962C8B-B14F-4D97-AF65-F5344CB8AC3E}">
